--- a/教案/复习.pptx
+++ b/教案/复习.pptx
@@ -9572,7 +9572,7 @@
             <a:fld id="{B61BEF0D-F0BB-DE4B-95CE-6DB70DBA9567}" type="datetimeFigureOut">
               <a:rPr lang="en-US" dirty="0"/>
               <a:pPr/>
-              <a:t>1/6/2019</a:t>
+              <a:t>1/13/2019</a:t>
             </a:fld>
             <a:endParaRPr lang="en-US" dirty="0"/>
           </a:p>
@@ -9907,7 +9907,7 @@
             <a:fld id="{B61BEF0D-F0BB-DE4B-95CE-6DB70DBA9567}" type="datetimeFigureOut">
               <a:rPr lang="en-US" dirty="0"/>
               <a:pPr/>
-              <a:t>1/6/2019</a:t>
+              <a:t>1/13/2019</a:t>
             </a:fld>
             <a:endParaRPr lang="en-US" dirty="0"/>
           </a:p>
@@ -10305,7 +10305,7 @@
             <a:fld id="{B61BEF0D-F0BB-DE4B-95CE-6DB70DBA9567}" type="datetimeFigureOut">
               <a:rPr lang="en-US" dirty="0"/>
               <a:pPr/>
-              <a:t>1/6/2019</a:t>
+              <a:t>1/13/2019</a:t>
             </a:fld>
             <a:endParaRPr lang="en-US" dirty="0"/>
           </a:p>
@@ -10638,7 +10638,7 @@
             <a:fld id="{B61BEF0D-F0BB-DE4B-95CE-6DB70DBA9567}" type="datetimeFigureOut">
               <a:rPr lang="en-US" dirty="0"/>
               <a:pPr/>
-              <a:t>1/6/2019</a:t>
+              <a:t>1/13/2019</a:t>
             </a:fld>
             <a:endParaRPr lang="en-US" dirty="0"/>
           </a:p>
@@ -10955,7 +10955,7 @@
             <a:fld id="{B61BEF0D-F0BB-DE4B-95CE-6DB70DBA9567}" type="datetimeFigureOut">
               <a:rPr lang="en-US" dirty="0"/>
               <a:pPr/>
-              <a:t>1/6/2019</a:t>
+              <a:t>1/13/2019</a:t>
             </a:fld>
             <a:endParaRPr lang="en-US" dirty="0"/>
           </a:p>
@@ -11348,7 +11348,7 @@
             <a:fld id="{B61BEF0D-F0BB-DE4B-95CE-6DB70DBA9567}" type="datetimeFigureOut">
               <a:rPr lang="en-US" dirty="0"/>
               <a:pPr/>
-              <a:t>1/6/2019</a:t>
+              <a:t>1/13/2019</a:t>
             </a:fld>
             <a:endParaRPr lang="en-US" dirty="0"/>
           </a:p>
@@ -11602,7 +11602,7 @@
             <a:fld id="{B61BEF0D-F0BB-DE4B-95CE-6DB70DBA9567}" type="datetimeFigureOut">
               <a:rPr lang="en-US" dirty="0"/>
               <a:pPr/>
-              <a:t>1/6/2019</a:t>
+              <a:t>1/13/2019</a:t>
             </a:fld>
             <a:endParaRPr lang="en-US" dirty="0"/>
           </a:p>
@@ -11861,7 +11861,7 @@
             <a:fld id="{B61BEF0D-F0BB-DE4B-95CE-6DB70DBA9567}" type="datetimeFigureOut">
               <a:rPr lang="en-US" dirty="0"/>
               <a:pPr/>
-              <a:t>1/6/2019</a:t>
+              <a:t>1/13/2019</a:t>
             </a:fld>
             <a:endParaRPr lang="en-US" dirty="0"/>
           </a:p>
@@ -12120,7 +12120,7 @@
             <a:fld id="{B61BEF0D-F0BB-DE4B-95CE-6DB70DBA9567}" type="datetimeFigureOut">
               <a:rPr lang="en-US" dirty="0"/>
               <a:pPr/>
-              <a:t>1/6/2019</a:t>
+              <a:t>1/13/2019</a:t>
             </a:fld>
             <a:endParaRPr lang="en-US" dirty="0"/>
           </a:p>
@@ -12446,7 +12446,7 @@
             <a:fld id="{B61BEF0D-F0BB-DE4B-95CE-6DB70DBA9567}" type="datetimeFigureOut">
               <a:rPr lang="en-US" dirty="0"/>
               <a:pPr/>
-              <a:t>1/6/2019</a:t>
+              <a:t>1/13/2019</a:t>
             </a:fld>
             <a:endParaRPr lang="en-US" dirty="0"/>
           </a:p>
@@ -12766,7 +12766,7 @@
             <a:fld id="{B61BEF0D-F0BB-DE4B-95CE-6DB70DBA9567}" type="datetimeFigureOut">
               <a:rPr lang="en-US" dirty="0"/>
               <a:pPr/>
-              <a:t>1/6/2019</a:t>
+              <a:t>1/13/2019</a:t>
             </a:fld>
             <a:endParaRPr lang="en-US" dirty="0"/>
           </a:p>
@@ -13220,7 +13220,7 @@
             <a:fld id="{B61BEF0D-F0BB-DE4B-95CE-6DB70DBA9567}" type="datetimeFigureOut">
               <a:rPr lang="en-US" dirty="0"/>
               <a:pPr/>
-              <a:t>1/6/2019</a:t>
+              <a:t>1/13/2019</a:t>
             </a:fld>
             <a:endParaRPr lang="en-US" dirty="0"/>
           </a:p>
@@ -13422,7 +13422,7 @@
             <a:fld id="{B61BEF0D-F0BB-DE4B-95CE-6DB70DBA9567}" type="datetimeFigureOut">
               <a:rPr lang="en-US" dirty="0"/>
               <a:pPr/>
-              <a:t>1/6/2019</a:t>
+              <a:t>1/13/2019</a:t>
             </a:fld>
             <a:endParaRPr lang="en-US" dirty="0"/>
           </a:p>
@@ -13596,7 +13596,7 @@
             <a:fld id="{B61BEF0D-F0BB-DE4B-95CE-6DB70DBA9567}" type="datetimeFigureOut">
               <a:rPr lang="en-US" dirty="0"/>
               <a:pPr/>
-              <a:t>1/6/2019</a:t>
+              <a:t>1/13/2019</a:t>
             </a:fld>
             <a:endParaRPr lang="en-US" dirty="0"/>
           </a:p>
@@ -13926,7 +13926,7 @@
             <a:fld id="{B61BEF0D-F0BB-DE4B-95CE-6DB70DBA9567}" type="datetimeFigureOut">
               <a:rPr lang="en-US" dirty="0"/>
               <a:pPr/>
-              <a:t>1/6/2019</a:t>
+              <a:t>1/13/2019</a:t>
             </a:fld>
             <a:endParaRPr lang="en-US" dirty="0"/>
           </a:p>
@@ -14268,7 +14268,7 @@
             <a:fld id="{B61BEF0D-F0BB-DE4B-95CE-6DB70DBA9567}" type="datetimeFigureOut">
               <a:rPr lang="en-US" dirty="0"/>
               <a:pPr/>
-              <a:t>1/6/2019</a:t>
+              <a:t>1/13/2019</a:t>
             </a:fld>
             <a:endParaRPr lang="en-US" dirty="0"/>
           </a:p>
@@ -16382,7 +16382,7 @@
             <a:fld id="{B61BEF0D-F0BB-DE4B-95CE-6DB70DBA9567}" type="datetimeFigureOut">
               <a:rPr lang="en-US" dirty="0"/>
               <a:pPr/>
-              <a:t>1/6/2019</a:t>
+              <a:t>1/13/2019</a:t>
             </a:fld>
             <a:endParaRPr lang="en-US" dirty="0"/>
           </a:p>
@@ -20022,7 +20022,7 @@
           <p:nvPr>
             <p:extLst>
               <p:ext uri="{D42A27DB-BD31-4B8C-83A1-F6EECF244321}">
-                <p14:modId xmlns:p14="http://schemas.microsoft.com/office/powerpoint/2010/main" val="3609841266"/>
+                <p14:modId xmlns:p14="http://schemas.microsoft.com/office/powerpoint/2010/main" val="1856005240"/>
               </p:ext>
             </p:extLst>
           </p:nvPr>
@@ -20438,7 +20438,7 @@
                       <a:pPr algn="ctr"/>
                       <a:r>
                         <a:rPr lang="en-US" altLang="zh-CN" dirty="0"/>
-                        <a:t>O(1)</a:t>
+                        <a:t>O(n)</a:t>
                       </a:r>
                       <a:endParaRPr lang="zh-CN" altLang="en-US" dirty="0"/>
                     </a:p>
@@ -20730,8 +20730,8 @@
                         <a:defRPr/>
                       </a:pPr>
                       <a:r>
-                        <a:rPr lang="en-US" altLang="zh-CN" dirty="0"/>
-                        <a:t>O(1)</a:t>
+                        <a:rPr lang="en-US" altLang="zh-CN"/>
+                        <a:t>O(n)</a:t>
                       </a:r>
                       <a:endParaRPr lang="zh-CN" altLang="en-US" dirty="0"/>
                     </a:p>
